--- a/ProjectProposalFinal.pptx
+++ b/ProjectProposalFinal.pptx
@@ -119,6 +119,11 @@
       </a:defRPr>
     </a:lvl9pPr>
   </p:defaultTextStyle>
+  <p:extLst>
+    <p:ext uri="{EFAFB233-063F-42B5-8137-9DF3F51BA10A}">
+      <p15:sldGuideLst xmlns:p15="http://schemas.microsoft.com/office/powerpoint/2012/main"/>
+    </p:ext>
+  </p:extLst>
 </p:presentation>
 </file>
 
@@ -127,7 +132,7 @@
   <pc:docChgLst>
     <pc:chgData name="SAI VINHERKAR" userId="029f32d46ddad7b5" providerId="LiveId" clId="{A8057041-0804-41DD-B48D-FA81A497D1BE}"/>
     <pc:docChg chg="undo custSel addSld delSld modSld sldOrd">
-      <pc:chgData name="SAI VINHERKAR" userId="029f32d46ddad7b5" providerId="LiveId" clId="{A8057041-0804-41DD-B48D-FA81A497D1BE}" dt="2018-11-27T02:47:45.102" v="3062" actId="14100"/>
+      <pc:chgData name="SAI VINHERKAR" userId="029f32d46ddad7b5" providerId="LiveId" clId="{A8057041-0804-41DD-B48D-FA81A497D1BE}" dt="2018-11-27T03:45:19.827" v="3093" actId="14100"/>
       <pc:docMkLst>
         <pc:docMk/>
       </pc:docMkLst>
@@ -154,7 +159,7 @@
           </ac:spMkLst>
         </pc:spChg>
         <pc:picChg chg="del">
-          <ac:chgData name="SAI VINHERKAR" userId="029f32d46ddad7b5" providerId="LiveId" clId="{A8057041-0804-41DD-B48D-FA81A497D1BE}" dt="2018-11-26T23:50:51.711" v="165"/>
+          <ac:chgData name="SAI VINHERKAR" userId="029f32d46ddad7b5" providerId="LiveId" clId="{A8057041-0804-41DD-B48D-FA81A497D1BE}" dt="2018-11-26T23:50:51.711" v="165" actId="5793"/>
           <ac:picMkLst>
             <pc:docMk/>
             <pc:sldMk cId="204139430" sldId="257"/>
@@ -199,7 +204,7 @@
           <pc:sldMk cId="3416487488" sldId="265"/>
         </pc:sldMkLst>
         <pc:spChg chg="add del">
-          <ac:chgData name="SAI VINHERKAR" userId="029f32d46ddad7b5" providerId="LiveId" clId="{A8057041-0804-41DD-B48D-FA81A497D1BE}" dt="2018-11-27T00:03:33.436" v="272"/>
+          <ac:chgData name="SAI VINHERKAR" userId="029f32d46ddad7b5" providerId="LiveId" clId="{A8057041-0804-41DD-B48D-FA81A497D1BE}" dt="2018-11-27T00:03:33.436" v="272" actId="2696"/>
           <ac:spMkLst>
             <pc:docMk/>
             <pc:sldMk cId="3416487488" sldId="265"/>
@@ -207,7 +212,7 @@
           </ac:spMkLst>
         </pc:spChg>
         <pc:picChg chg="add del">
-          <ac:chgData name="SAI VINHERKAR" userId="029f32d46ddad7b5" providerId="LiveId" clId="{A8057041-0804-41DD-B48D-FA81A497D1BE}" dt="2018-11-27T00:03:33.436" v="272"/>
+          <ac:chgData name="SAI VINHERKAR" userId="029f32d46ddad7b5" providerId="LiveId" clId="{A8057041-0804-41DD-B48D-FA81A497D1BE}" dt="2018-11-27T00:03:33.436" v="272" actId="2696"/>
           <ac:picMkLst>
             <pc:docMk/>
             <pc:sldMk cId="3416487488" sldId="265"/>
@@ -286,7 +291,7 @@
         </pc:picChg>
       </pc:sldChg>
       <pc:sldChg chg="addSp delSp modSp">
-        <pc:chgData name="SAI VINHERKAR" userId="029f32d46ddad7b5" providerId="LiveId" clId="{A8057041-0804-41DD-B48D-FA81A497D1BE}" dt="2018-11-27T02:47:25.134" v="3058" actId="14100"/>
+        <pc:chgData name="SAI VINHERKAR" userId="029f32d46ddad7b5" providerId="LiveId" clId="{A8057041-0804-41DD-B48D-FA81A497D1BE}" dt="2018-11-27T03:45:19.827" v="3093" actId="14100"/>
         <pc:sldMkLst>
           <pc:docMk/>
           <pc:sldMk cId="3979059165" sldId="273"/>
@@ -305,6 +310,14 @@
             <pc:docMk/>
             <pc:sldMk cId="3979059165" sldId="273"/>
             <ac:spMk id="3" creationId="{81DE83FA-3781-4936-83DB-FDA7B19583E3}"/>
+          </ac:spMkLst>
+        </pc:spChg>
+        <pc:spChg chg="add del mod">
+          <ac:chgData name="SAI VINHERKAR" userId="029f32d46ddad7b5" providerId="LiveId" clId="{A8057041-0804-41DD-B48D-FA81A497D1BE}" dt="2018-11-27T03:45:15.545" v="3091"/>
+          <ac:spMkLst>
+            <pc:docMk/>
+            <pc:sldMk cId="3979059165" sldId="273"/>
+            <ac:spMk id="4" creationId="{767A7A83-371D-46E6-B293-2A5A57842DA3}"/>
           </ac:spMkLst>
         </pc:spChg>
         <pc:spChg chg="add del mod">
@@ -331,16 +344,24 @@
             <ac:picMk id="5" creationId="{C431F550-D367-4362-A23E-C36733807D20}"/>
           </ac:picMkLst>
         </pc:picChg>
+        <pc:picChg chg="add mod">
+          <ac:chgData name="SAI VINHERKAR" userId="029f32d46ddad7b5" providerId="LiveId" clId="{A8057041-0804-41DD-B48D-FA81A497D1BE}" dt="2018-11-27T03:45:19.827" v="3093" actId="14100"/>
+          <ac:picMkLst>
+            <pc:docMk/>
+            <pc:sldMk cId="3979059165" sldId="273"/>
+            <ac:picMk id="6" creationId="{8E66373B-AA09-40D7-B16D-AC7EE51EF79F}"/>
+          </ac:picMkLst>
+        </pc:picChg>
         <pc:picChg chg="add del mod">
-          <ac:chgData name="SAI VINHERKAR" userId="029f32d46ddad7b5" providerId="LiveId" clId="{A8057041-0804-41DD-B48D-FA81A497D1BE}" dt="2018-11-27T02:46:34.918" v="3046"/>
+          <ac:chgData name="SAI VINHERKAR" userId="029f32d46ddad7b5" providerId="LiveId" clId="{A8057041-0804-41DD-B48D-FA81A497D1BE}" dt="2018-11-27T02:46:34.918" v="3046" actId="14100"/>
           <ac:picMkLst>
             <pc:docMk/>
             <pc:sldMk cId="3979059165" sldId="273"/>
             <ac:picMk id="9" creationId="{1D2B99DF-0CC6-45E4-A3E2-49F1A40E8F7C}"/>
           </ac:picMkLst>
         </pc:picChg>
-        <pc:picChg chg="add mod">
-          <ac:chgData name="SAI VINHERKAR" userId="029f32d46ddad7b5" providerId="LiveId" clId="{A8057041-0804-41DD-B48D-FA81A497D1BE}" dt="2018-11-27T02:47:25.134" v="3058" actId="14100"/>
+        <pc:picChg chg="add del mod">
+          <ac:chgData name="SAI VINHERKAR" userId="029f32d46ddad7b5" providerId="LiveId" clId="{A8057041-0804-41DD-B48D-FA81A497D1BE}" dt="2018-11-27T03:45:08.532" v="3090" actId="478"/>
           <ac:picMkLst>
             <pc:docMk/>
             <pc:sldMk cId="3979059165" sldId="273"/>
@@ -371,23 +392,39 @@
           </ac:spMkLst>
         </pc:spChg>
       </pc:sldChg>
-      <pc:sldChg chg="modSp">
-        <pc:chgData name="SAI VINHERKAR" userId="029f32d46ddad7b5" providerId="LiveId" clId="{A8057041-0804-41DD-B48D-FA81A497D1BE}" dt="2018-11-27T00:19:48.086" v="564" actId="255"/>
+      <pc:sldChg chg="addSp delSp modSp">
+        <pc:chgData name="SAI VINHERKAR" userId="029f32d46ddad7b5" providerId="LiveId" clId="{A8057041-0804-41DD-B48D-FA81A497D1BE}" dt="2018-11-27T03:43:01.435" v="3088" actId="14100"/>
         <pc:sldMkLst>
           <pc:docMk/>
           <pc:sldMk cId="1775072271" sldId="275"/>
         </pc:sldMkLst>
         <pc:spChg chg="mod">
-          <ac:chgData name="SAI VINHERKAR" userId="029f32d46ddad7b5" providerId="LiveId" clId="{A8057041-0804-41DD-B48D-FA81A497D1BE}" dt="2018-11-27T00:19:48.086" v="564" actId="255"/>
+          <ac:chgData name="SAI VINHERKAR" userId="029f32d46ddad7b5" providerId="LiveId" clId="{A8057041-0804-41DD-B48D-FA81A497D1BE}" dt="2018-11-27T03:42:54.926" v="3086" actId="20577"/>
           <ac:spMkLst>
             <pc:docMk/>
             <pc:sldMk cId="1775072271" sldId="275"/>
             <ac:spMk id="2" creationId="{81C23FF8-5429-4FD0-8BC1-5C41AB5F581A}"/>
           </ac:spMkLst>
         </pc:spChg>
+        <pc:spChg chg="del">
+          <ac:chgData name="SAI VINHERKAR" userId="029f32d46ddad7b5" providerId="LiveId" clId="{A8057041-0804-41DD-B48D-FA81A497D1BE}" dt="2018-11-27T03:42:44.926" v="3063" actId="931"/>
+          <ac:spMkLst>
+            <pc:docMk/>
+            <pc:sldMk cId="1775072271" sldId="275"/>
+            <ac:spMk id="3" creationId="{DD8840A9-EB97-440E-A236-5A6352BA46C7}"/>
+          </ac:spMkLst>
+        </pc:spChg>
+        <pc:picChg chg="add mod">
+          <ac:chgData name="SAI VINHERKAR" userId="029f32d46ddad7b5" providerId="LiveId" clId="{A8057041-0804-41DD-B48D-FA81A497D1BE}" dt="2018-11-27T03:43:01.435" v="3088" actId="14100"/>
+          <ac:picMkLst>
+            <pc:docMk/>
+            <pc:sldMk cId="1775072271" sldId="275"/>
+            <ac:picMk id="5" creationId="{FD006BDD-2FE9-43A9-A0B6-7F55A3D7887C}"/>
+          </ac:picMkLst>
+        </pc:picChg>
       </pc:sldChg>
-      <pc:sldChg chg="modSp">
-        <pc:chgData name="SAI VINHERKAR" userId="029f32d46ddad7b5" providerId="LiveId" clId="{A8057041-0804-41DD-B48D-FA81A497D1BE}" dt="2018-11-27T00:20:18.489" v="565" actId="255"/>
+      <pc:sldChg chg="addSp delSp modSp">
+        <pc:chgData name="SAI VINHERKAR" userId="029f32d46ddad7b5" providerId="LiveId" clId="{A8057041-0804-41DD-B48D-FA81A497D1BE}" dt="2018-11-27T03:44:55.199" v="3089" actId="931"/>
         <pc:sldMkLst>
           <pc:docMk/>
           <pc:sldMk cId="3995778589" sldId="276"/>
@@ -400,6 +437,22 @@
             <ac:spMk id="2" creationId="{D00F0191-B5E7-425B-BE4A-911EB4CFAD80}"/>
           </ac:spMkLst>
         </pc:spChg>
+        <pc:spChg chg="del">
+          <ac:chgData name="SAI VINHERKAR" userId="029f32d46ddad7b5" providerId="LiveId" clId="{A8057041-0804-41DD-B48D-FA81A497D1BE}" dt="2018-11-27T03:44:55.199" v="3089" actId="931"/>
+          <ac:spMkLst>
+            <pc:docMk/>
+            <pc:sldMk cId="3995778589" sldId="276"/>
+            <ac:spMk id="3" creationId="{48796488-CC3C-4A00-AE22-0D06A1871E99}"/>
+          </ac:spMkLst>
+        </pc:spChg>
+        <pc:picChg chg="add mod">
+          <ac:chgData name="SAI VINHERKAR" userId="029f32d46ddad7b5" providerId="LiveId" clId="{A8057041-0804-41DD-B48D-FA81A497D1BE}" dt="2018-11-27T03:44:55.199" v="3089" actId="931"/>
+          <ac:picMkLst>
+            <pc:docMk/>
+            <pc:sldMk cId="3995778589" sldId="276"/>
+            <ac:picMk id="5" creationId="{2EB17748-F96E-4600-A7F2-FD1C419A8A26}"/>
+          </ac:picMkLst>
+        </pc:picChg>
       </pc:sldChg>
       <pc:sldChg chg="modSp">
         <pc:chgData name="SAI VINHERKAR" userId="029f32d46ddad7b5" providerId="LiveId" clId="{A8057041-0804-41DD-B48D-FA81A497D1BE}" dt="2018-11-27T00:20:28.955" v="566" actId="255"/>
@@ -432,13 +485,13 @@
         </pc:spChg>
       </pc:sldChg>
       <pc:sldChg chg="addSp delSp modSp ord">
-        <pc:chgData name="SAI VINHERKAR" userId="029f32d46ddad7b5" providerId="LiveId" clId="{A8057041-0804-41DD-B48D-FA81A497D1BE}" dt="2018-11-27T00:18:07.349" v="561"/>
+        <pc:chgData name="SAI VINHERKAR" userId="029f32d46ddad7b5" providerId="LiveId" clId="{A8057041-0804-41DD-B48D-FA81A497D1BE}" dt="2018-11-27T00:18:07.349" v="561" actId="14100"/>
         <pc:sldMkLst>
           <pc:docMk/>
           <pc:sldMk cId="2133875320" sldId="284"/>
         </pc:sldMkLst>
         <pc:spChg chg="mod">
-          <ac:chgData name="SAI VINHERKAR" userId="029f32d46ddad7b5" providerId="LiveId" clId="{A8057041-0804-41DD-B48D-FA81A497D1BE}" dt="2018-11-27T00:18:07.349" v="561"/>
+          <ac:chgData name="SAI VINHERKAR" userId="029f32d46ddad7b5" providerId="LiveId" clId="{A8057041-0804-41DD-B48D-FA81A497D1BE}" dt="2018-11-27T00:18:07.349" v="561" actId="14100"/>
           <ac:spMkLst>
             <pc:docMk/>
             <pc:sldMk cId="2133875320" sldId="284"/>
@@ -446,7 +499,7 @@
           </ac:spMkLst>
         </pc:spChg>
         <pc:picChg chg="add del">
-          <ac:chgData name="SAI VINHERKAR" userId="029f32d46ddad7b5" providerId="LiveId" clId="{A8057041-0804-41DD-B48D-FA81A497D1BE}" dt="2018-11-27T00:03:42.630" v="273"/>
+          <ac:chgData name="SAI VINHERKAR" userId="029f32d46ddad7b5" providerId="LiveId" clId="{A8057041-0804-41DD-B48D-FA81A497D1BE}" dt="2018-11-27T00:03:42.630" v="273" actId="14100"/>
           <ac:picMkLst>
             <pc:docMk/>
             <pc:sldMk cId="2133875320" sldId="284"/>
@@ -477,7 +530,7 @@
           </ac:spMkLst>
         </pc:spChg>
         <pc:picChg chg="del">
-          <ac:chgData name="SAI VINHERKAR" userId="029f32d46ddad7b5" providerId="LiveId" clId="{A8057041-0804-41DD-B48D-FA81A497D1BE}" dt="2018-11-27T00:05:15.547" v="278"/>
+          <ac:chgData name="SAI VINHERKAR" userId="029f32d46ddad7b5" providerId="LiveId" clId="{A8057041-0804-41DD-B48D-FA81A497D1BE}" dt="2018-11-27T00:05:15.547" v="278" actId="20577"/>
           <ac:picMkLst>
             <pc:docMk/>
             <pc:sldMk cId="3500387118" sldId="285"/>
@@ -541,7 +594,7 @@
         </pc:picChg>
       </pc:sldChg>
       <pc:sldChg chg="add del">
-        <pc:chgData name="SAI VINHERKAR" userId="029f32d46ddad7b5" providerId="LiveId" clId="{A8057041-0804-41DD-B48D-FA81A497D1BE}" dt="2018-11-27T02:46:24.530" v="3043"/>
+        <pc:chgData name="SAI VINHERKAR" userId="029f32d46ddad7b5" providerId="LiveId" clId="{A8057041-0804-41DD-B48D-FA81A497D1BE}" dt="2018-11-27T02:46:24.530" v="3043" actId="14100"/>
         <pc:sldMkLst>
           <pc:docMk/>
           <pc:sldMk cId="2827494818" sldId="287"/>
@@ -699,7 +752,7 @@
           <a:p>
             <a:fld id="{FD762F30-CB06-4A55-868E-EF3956ADA0CF}" type="datetimeFigureOut">
               <a:rPr lang="en-US" smtClean="0"/>
-              <a:t>11/24/2018</a:t>
+              <a:t>11/26/2018</a:t>
             </a:fld>
             <a:endParaRPr lang="en-US"/>
           </a:p>
@@ -897,7 +950,7 @@
           <a:p>
             <a:fld id="{FD762F30-CB06-4A55-868E-EF3956ADA0CF}" type="datetimeFigureOut">
               <a:rPr lang="en-US" smtClean="0"/>
-              <a:t>11/24/2018</a:t>
+              <a:t>11/26/2018</a:t>
             </a:fld>
             <a:endParaRPr lang="en-US"/>
           </a:p>
@@ -1105,7 +1158,7 @@
           <a:p>
             <a:fld id="{FD762F30-CB06-4A55-868E-EF3956ADA0CF}" type="datetimeFigureOut">
               <a:rPr lang="en-US" smtClean="0"/>
-              <a:t>11/24/2018</a:t>
+              <a:t>11/26/2018</a:t>
             </a:fld>
             <a:endParaRPr lang="en-US"/>
           </a:p>
@@ -1303,7 +1356,7 @@
           <a:p>
             <a:fld id="{FD762F30-CB06-4A55-868E-EF3956ADA0CF}" type="datetimeFigureOut">
               <a:rPr lang="en-US" smtClean="0"/>
-              <a:t>11/24/2018</a:t>
+              <a:t>11/26/2018</a:t>
             </a:fld>
             <a:endParaRPr lang="en-US"/>
           </a:p>
@@ -1578,7 +1631,7 @@
           <a:p>
             <a:fld id="{FD762F30-CB06-4A55-868E-EF3956ADA0CF}" type="datetimeFigureOut">
               <a:rPr lang="en-US" smtClean="0"/>
-              <a:t>11/24/2018</a:t>
+              <a:t>11/26/2018</a:t>
             </a:fld>
             <a:endParaRPr lang="en-US"/>
           </a:p>
@@ -1843,7 +1896,7 @@
           <a:p>
             <a:fld id="{FD762F30-CB06-4A55-868E-EF3956ADA0CF}" type="datetimeFigureOut">
               <a:rPr lang="en-US" smtClean="0"/>
-              <a:t>11/24/2018</a:t>
+              <a:t>11/26/2018</a:t>
             </a:fld>
             <a:endParaRPr lang="en-US"/>
           </a:p>
@@ -2255,7 +2308,7 @@
           <a:p>
             <a:fld id="{FD762F30-CB06-4A55-868E-EF3956ADA0CF}" type="datetimeFigureOut">
               <a:rPr lang="en-US" smtClean="0"/>
-              <a:t>11/24/2018</a:t>
+              <a:t>11/26/2018</a:t>
             </a:fld>
             <a:endParaRPr lang="en-US"/>
           </a:p>
@@ -2396,7 +2449,7 @@
           <a:p>
             <a:fld id="{FD762F30-CB06-4A55-868E-EF3956ADA0CF}" type="datetimeFigureOut">
               <a:rPr lang="en-US" smtClean="0"/>
-              <a:t>11/24/2018</a:t>
+              <a:t>11/26/2018</a:t>
             </a:fld>
             <a:endParaRPr lang="en-US"/>
           </a:p>
@@ -2509,7 +2562,7 @@
           <a:p>
             <a:fld id="{FD762F30-CB06-4A55-868E-EF3956ADA0CF}" type="datetimeFigureOut">
               <a:rPr lang="en-US" smtClean="0"/>
-              <a:t>11/24/2018</a:t>
+              <a:t>11/26/2018</a:t>
             </a:fld>
             <a:endParaRPr lang="en-US"/>
           </a:p>
@@ -2820,7 +2873,7 @@
           <a:p>
             <a:fld id="{FD762F30-CB06-4A55-868E-EF3956ADA0CF}" type="datetimeFigureOut">
               <a:rPr lang="en-US" smtClean="0"/>
-              <a:t>11/24/2018</a:t>
+              <a:t>11/26/2018</a:t>
             </a:fld>
             <a:endParaRPr lang="en-US"/>
           </a:p>
@@ -3108,7 +3161,7 @@
           <a:p>
             <a:fld id="{FD762F30-CB06-4A55-868E-EF3956ADA0CF}" type="datetimeFigureOut">
               <a:rPr lang="en-US" smtClean="0"/>
-              <a:t>11/24/2018</a:t>
+              <a:t>11/26/2018</a:t>
             </a:fld>
             <a:endParaRPr lang="en-US"/>
           </a:p>
@@ -3349,7 +3402,7 @@
           <a:p>
             <a:fld id="{FD762F30-CB06-4A55-868E-EF3956ADA0CF}" type="datetimeFigureOut">
               <a:rPr lang="en-US" smtClean="0"/>
-              <a:t>11/24/2018</a:t>
+              <a:t>11/26/2018</a:t>
             </a:fld>
             <a:endParaRPr lang="en-US"/>
           </a:p>
@@ -4015,10 +4068,10 @@
       </p:sp>
       <p:pic>
         <p:nvPicPr>
-          <p:cNvPr id="12" name="Content Placeholder 11">
-            <a:extLst>
-              <a:ext uri="{FF2B5EF4-FFF2-40B4-BE49-F238E27FC236}">
-                <a16:creationId xmlns:a16="http://schemas.microsoft.com/office/drawing/2014/main" id="{5DD3E958-A2F5-4D3C-B24C-831A03BDB422}"/>
+          <p:cNvPr id="6" name="Content Placeholder 4">
+            <a:extLst>
+              <a:ext uri="{FF2B5EF4-FFF2-40B4-BE49-F238E27FC236}">
+                <a16:creationId xmlns:a16="http://schemas.microsoft.com/office/drawing/2014/main" id="{8E66373B-AA09-40D7-B16D-AC7EE51EF79F}"/>
               </a:ext>
             </a:extLst>
           </p:cNvPr>
@@ -4043,8 +4096,8 @@
         </p:blipFill>
         <p:spPr>
           <a:xfrm>
-            <a:off x="714375" y="1690689"/>
-            <a:ext cx="8429625" cy="3209444"/>
+            <a:off x="994171" y="1789508"/>
+            <a:ext cx="8914560" cy="2992041"/>
           </a:xfrm>
         </p:spPr>
       </p:pic>
@@ -4198,36 +4251,46 @@
           <a:p>
             <a:r>
               <a:rPr lang="en-US" sz="2800" dirty="0"/>
-              <a:t>Mid-term outcomes</a:t>
-            </a:r>
-          </a:p>
-        </p:txBody>
-      </p:sp>
-      <p:sp>
-        <p:nvSpPr>
-          <p:cNvPr id="3" name="Content Placeholder 2">
-            <a:extLst>
-              <a:ext uri="{FF2B5EF4-FFF2-40B4-BE49-F238E27FC236}">
-                <a16:creationId xmlns:a16="http://schemas.microsoft.com/office/drawing/2014/main" id="{DD8840A9-EB97-440E-A236-5A6352BA46C7}"/>
-              </a:ext>
-            </a:extLst>
-          </p:cNvPr>
-          <p:cNvSpPr>
-            <a:spLocks noGrp="1"/>
-          </p:cNvSpPr>
+              <a:t>Contd.</a:t>
+            </a:r>
+          </a:p>
+        </p:txBody>
+      </p:sp>
+      <p:pic>
+        <p:nvPicPr>
+          <p:cNvPr id="5" name="Content Placeholder 4">
+            <a:extLst>
+              <a:ext uri="{FF2B5EF4-FFF2-40B4-BE49-F238E27FC236}">
+                <a16:creationId xmlns:a16="http://schemas.microsoft.com/office/drawing/2014/main" id="{FD006BDD-2FE9-43A9-A0B6-7F55A3D7887C}"/>
+              </a:ext>
+            </a:extLst>
+          </p:cNvPr>
+          <p:cNvPicPr>
+            <a:picLocks noGrp="1" noChangeAspect="1"/>
+          </p:cNvPicPr>
           <p:nvPr>
             <p:ph idx="1"/>
           </p:nvPr>
-        </p:nvSpPr>
-        <p:spPr/>
-        <p:txBody>
-          <a:bodyPr/>
-          <a:lstStyle/>
-          <a:p>
-            <a:endParaRPr lang="en-US"/>
-          </a:p>
-        </p:txBody>
-      </p:sp>
+        </p:nvPicPr>
+        <p:blipFill>
+          <a:blip r:embed="rId2">
+            <a:extLst>
+              <a:ext uri="{28A0092B-C50C-407E-A947-70E740481C1C}">
+                <a14:useLocalDpi xmlns:a14="http://schemas.microsoft.com/office/drawing/2010/main" val="0"/>
+              </a:ext>
+            </a:extLst>
+          </a:blip>
+          <a:stretch>
+            <a:fillRect/>
+          </a:stretch>
+        </p:blipFill>
+        <p:spPr>
+          <a:xfrm>
+            <a:off x="1072273" y="2120979"/>
+            <a:ext cx="8416726" cy="2774871"/>
+          </a:xfrm>
+        </p:spPr>
+      </p:pic>
     </p:spTree>
     <p:extLst>
       <p:ext uri="{BB962C8B-B14F-4D97-AF65-F5344CB8AC3E}">
@@ -4288,31 +4351,41 @@
           </a:p>
         </p:txBody>
       </p:sp>
-      <p:sp>
-        <p:nvSpPr>
-          <p:cNvPr id="3" name="Content Placeholder 2">
-            <a:extLst>
-              <a:ext uri="{FF2B5EF4-FFF2-40B4-BE49-F238E27FC236}">
-                <a16:creationId xmlns:a16="http://schemas.microsoft.com/office/drawing/2014/main" id="{48796488-CC3C-4A00-AE22-0D06A1871E99}"/>
-              </a:ext>
-            </a:extLst>
-          </p:cNvPr>
-          <p:cNvSpPr>
-            <a:spLocks noGrp="1"/>
-          </p:cNvSpPr>
+      <p:pic>
+        <p:nvPicPr>
+          <p:cNvPr id="5" name="Content Placeholder 4">
+            <a:extLst>
+              <a:ext uri="{FF2B5EF4-FFF2-40B4-BE49-F238E27FC236}">
+                <a16:creationId xmlns:a16="http://schemas.microsoft.com/office/drawing/2014/main" id="{2EB17748-F96E-4600-A7F2-FD1C419A8A26}"/>
+              </a:ext>
+            </a:extLst>
+          </p:cNvPr>
+          <p:cNvPicPr>
+            <a:picLocks noGrp="1" noChangeAspect="1"/>
+          </p:cNvPicPr>
           <p:nvPr>
             <p:ph idx="1"/>
           </p:nvPr>
-        </p:nvSpPr>
-        <p:spPr/>
-        <p:txBody>
-          <a:bodyPr/>
-          <a:lstStyle/>
-          <a:p>
-            <a:endParaRPr lang="en-US"/>
-          </a:p>
-        </p:txBody>
-      </p:sp>
+        </p:nvPicPr>
+        <p:blipFill>
+          <a:blip r:embed="rId2">
+            <a:extLst>
+              <a:ext uri="{28A0092B-C50C-407E-A947-70E740481C1C}">
+                <a14:useLocalDpi xmlns:a14="http://schemas.microsoft.com/office/drawing/2010/main" val="0"/>
+              </a:ext>
+            </a:extLst>
+          </a:blip>
+          <a:stretch>
+            <a:fillRect/>
+          </a:stretch>
+        </p:blipFill>
+        <p:spPr>
+          <a:xfrm>
+            <a:off x="3337321" y="3075384"/>
+            <a:ext cx="5517358" cy="1851820"/>
+          </a:xfrm>
+        </p:spPr>
+      </p:pic>
     </p:spTree>
     <p:extLst>
       <p:ext uri="{BB962C8B-B14F-4D97-AF65-F5344CB8AC3E}">
